--- a/PredictiveModeling/Clustering/Clustering.pptx
+++ b/PredictiveModeling/Clustering/Clustering.pptx
@@ -109,6 +109,11 @@
       </a:defRPr>
     </a:lvl9pPr>
   </p:defaultTextStyle>
+  <p:extLst>
+    <p:ext uri="{EFAFB233-063F-42B5-8137-9DF3F51BA10A}">
+      <p15:sldGuideLst xmlns:p15="http://schemas.microsoft.com/office/powerpoint/2012/main"/>
+    </p:ext>
+  </p:extLst>
 </p:presentation>
 </file>
 
@@ -261,7 +266,7 @@
           <a:p>
             <a:fld id="{53A6CE49-AA7C-42B2-993D-4CFA52A17704}" type="datetimeFigureOut">
               <a:rPr lang="en-GB" smtClean="0"/>
-              <a:t>06/06/2022</a:t>
+              <a:t>23/07/2022</a:t>
             </a:fld>
             <a:endParaRPr lang="en-GB"/>
           </a:p>
@@ -461,7 +466,7 @@
           <a:p>
             <a:fld id="{53A6CE49-AA7C-42B2-993D-4CFA52A17704}" type="datetimeFigureOut">
               <a:rPr lang="en-GB" smtClean="0"/>
-              <a:t>06/06/2022</a:t>
+              <a:t>23/07/2022</a:t>
             </a:fld>
             <a:endParaRPr lang="en-GB"/>
           </a:p>
@@ -671,7 +676,7 @@
           <a:p>
             <a:fld id="{53A6CE49-AA7C-42B2-993D-4CFA52A17704}" type="datetimeFigureOut">
               <a:rPr lang="en-GB" smtClean="0"/>
-              <a:t>06/06/2022</a:t>
+              <a:t>23/07/2022</a:t>
             </a:fld>
             <a:endParaRPr lang="en-GB"/>
           </a:p>
@@ -871,7 +876,7 @@
           <a:p>
             <a:fld id="{53A6CE49-AA7C-42B2-993D-4CFA52A17704}" type="datetimeFigureOut">
               <a:rPr lang="en-GB" smtClean="0"/>
-              <a:t>06/06/2022</a:t>
+              <a:t>23/07/2022</a:t>
             </a:fld>
             <a:endParaRPr lang="en-GB"/>
           </a:p>
@@ -1147,7 +1152,7 @@
           <a:p>
             <a:fld id="{53A6CE49-AA7C-42B2-993D-4CFA52A17704}" type="datetimeFigureOut">
               <a:rPr lang="en-GB" smtClean="0"/>
-              <a:t>06/06/2022</a:t>
+              <a:t>23/07/2022</a:t>
             </a:fld>
             <a:endParaRPr lang="en-GB"/>
           </a:p>
@@ -1415,7 +1420,7 @@
           <a:p>
             <a:fld id="{53A6CE49-AA7C-42B2-993D-4CFA52A17704}" type="datetimeFigureOut">
               <a:rPr lang="en-GB" smtClean="0"/>
-              <a:t>06/06/2022</a:t>
+              <a:t>23/07/2022</a:t>
             </a:fld>
             <a:endParaRPr lang="en-GB"/>
           </a:p>
@@ -1830,7 +1835,7 @@
           <a:p>
             <a:fld id="{53A6CE49-AA7C-42B2-993D-4CFA52A17704}" type="datetimeFigureOut">
               <a:rPr lang="en-GB" smtClean="0"/>
-              <a:t>06/06/2022</a:t>
+              <a:t>23/07/2022</a:t>
             </a:fld>
             <a:endParaRPr lang="en-GB"/>
           </a:p>
@@ -1972,7 +1977,7 @@
           <a:p>
             <a:fld id="{53A6CE49-AA7C-42B2-993D-4CFA52A17704}" type="datetimeFigureOut">
               <a:rPr lang="en-GB" smtClean="0"/>
-              <a:t>06/06/2022</a:t>
+              <a:t>23/07/2022</a:t>
             </a:fld>
             <a:endParaRPr lang="en-GB"/>
           </a:p>
@@ -2085,7 +2090,7 @@
           <a:p>
             <a:fld id="{53A6CE49-AA7C-42B2-993D-4CFA52A17704}" type="datetimeFigureOut">
               <a:rPr lang="en-GB" smtClean="0"/>
-              <a:t>06/06/2022</a:t>
+              <a:t>23/07/2022</a:t>
             </a:fld>
             <a:endParaRPr lang="en-GB"/>
           </a:p>
@@ -2398,7 +2403,7 @@
           <a:p>
             <a:fld id="{53A6CE49-AA7C-42B2-993D-4CFA52A17704}" type="datetimeFigureOut">
               <a:rPr lang="en-GB" smtClean="0"/>
-              <a:t>06/06/2022</a:t>
+              <a:t>23/07/2022</a:t>
             </a:fld>
             <a:endParaRPr lang="en-GB"/>
           </a:p>
@@ -2687,7 +2692,7 @@
           <a:p>
             <a:fld id="{53A6CE49-AA7C-42B2-993D-4CFA52A17704}" type="datetimeFigureOut">
               <a:rPr lang="en-GB" smtClean="0"/>
-              <a:t>06/06/2022</a:t>
+              <a:t>23/07/2022</a:t>
             </a:fld>
             <a:endParaRPr lang="en-GB"/>
           </a:p>
@@ -2930,7 +2935,7 @@
           <a:p>
             <a:fld id="{53A6CE49-AA7C-42B2-993D-4CFA52A17704}" type="datetimeFigureOut">
               <a:rPr lang="en-GB" smtClean="0"/>
-              <a:t>06/06/2022</a:t>
+              <a:t>23/07/2022</a:t>
             </a:fld>
             <a:endParaRPr lang="en-GB"/>
           </a:p>
@@ -5058,10 +5063,10 @@
       </p:grpSpPr>
       <p:sp>
         <p:nvSpPr>
-          <p:cNvPr id="4" name="TextBox 3">
-            <a:extLst>
-              <a:ext uri="{FF2B5EF4-FFF2-40B4-BE49-F238E27FC236}">
-                <a16:creationId xmlns:a16="http://schemas.microsoft.com/office/drawing/2014/main" id="{F7E9A679-4BCC-025F-02D1-7B82847C8D2E}"/>
+          <p:cNvPr id="6" name="TextBox 5">
+            <a:extLst>
+              <a:ext uri="{FF2B5EF4-FFF2-40B4-BE49-F238E27FC236}">
+                <a16:creationId xmlns:a16="http://schemas.microsoft.com/office/drawing/2014/main" id="{728FCDB0-2473-C555-6BC2-E6CD0DC0BEBE}"/>
               </a:ext>
             </a:extLst>
           </p:cNvPr>
@@ -5070,8 +5075,8 @@
         </p:nvSpPr>
         <p:spPr>
           <a:xfrm>
-            <a:off x="704675" y="461394"/>
-            <a:ext cx="1857111" cy="1015663"/>
+            <a:off x="1000386" y="444508"/>
+            <a:ext cx="6094602" cy="461665"/>
           </a:xfrm>
           <a:prstGeom prst="rect">
             <a:avLst/>
@@ -5079,34 +5084,109 @@
           <a:noFill/>
         </p:spPr>
         <p:txBody>
-          <a:bodyPr wrap="none" rtlCol="0">
+          <a:bodyPr wrap="square">
             <a:spAutoFit/>
           </a:bodyPr>
           <a:lstStyle/>
           <a:p>
             <a:r>
               <a:rPr lang="en-GB" sz="2400" b="1" dirty="0"/>
-              <a:t>Prerequisites</a:t>
-            </a:r>
-          </a:p>
-          <a:p>
-            <a:pPr marL="342900" indent="-342900">
-              <a:buFont typeface="Arial" panose="020B0604020202020204" pitchFamily="34" charset="0"/>
-              <a:buChar char="•"/>
-            </a:pPr>
+              <a:t>Clustering</a:t>
+            </a:r>
+          </a:p>
+        </p:txBody>
+      </p:sp>
+      <p:sp>
+        <p:nvSpPr>
+          <p:cNvPr id="8" name="TextBox 7">
+            <a:extLst>
+              <a:ext uri="{FF2B5EF4-FFF2-40B4-BE49-F238E27FC236}">
+                <a16:creationId xmlns:a16="http://schemas.microsoft.com/office/drawing/2014/main" id="{C3B9757A-C00A-677D-A402-9188DD32369E}"/>
+              </a:ext>
+            </a:extLst>
+          </p:cNvPr>
+          <p:cNvSpPr txBox="1"/>
+          <p:nvPr/>
+        </p:nvSpPr>
+        <p:spPr>
+          <a:xfrm>
+            <a:off x="1000386" y="2413337"/>
+            <a:ext cx="10358308" cy="1754326"/>
+          </a:xfrm>
+          <a:prstGeom prst="rect">
+            <a:avLst/>
+          </a:prstGeom>
+          <a:noFill/>
+        </p:spPr>
+        <p:txBody>
+          <a:bodyPr wrap="square">
+            <a:spAutoFit/>
+          </a:bodyPr>
+          <a:lstStyle/>
+          <a:p>
             <a:r>
               <a:rPr lang="en-GB" b="1" dirty="0"/>
-              <a:t>Distance</a:t>
-            </a:r>
-          </a:p>
-          <a:p>
-            <a:pPr marL="342900" indent="-342900">
-              <a:buFont typeface="Arial" panose="020B0604020202020204" pitchFamily="34" charset="0"/>
-              <a:buChar char="•"/>
-            </a:pPr>
-            <a:r>
-              <a:rPr lang="en-GB" b="1" dirty="0"/>
-              <a:t>Centroid</a:t>
+              <a:t>Centroid-based clustering</a:t>
+            </a:r>
+          </a:p>
+          <a:p>
+            <a:endParaRPr lang="en-GB" b="1" dirty="0"/>
+          </a:p>
+          <a:p>
+            <a:r>
+              <a:rPr lang="en-GB" dirty="0"/>
+              <a:t>In centroid-based clustering, each cluster is represented by a central vector, which is not necessarily a member of the data set. When the number of clusters is fixed to k, k-means clustering gives a formal definition as an optimization problem: find the k cluster </a:t>
+            </a:r>
+            <a:r>
+              <a:rPr lang="en-GB" dirty="0" err="1"/>
+              <a:t>centers</a:t>
+            </a:r>
+            <a:r>
+              <a:rPr lang="en-GB" dirty="0"/>
+              <a:t> and assign the objects to the nearest cluster </a:t>
+            </a:r>
+            <a:r>
+              <a:rPr lang="en-GB" dirty="0" err="1"/>
+              <a:t>center</a:t>
+            </a:r>
+            <a:r>
+              <a:rPr lang="en-GB" dirty="0"/>
+              <a:t>, such that the squared distances from the cluster are minimized.</a:t>
+            </a:r>
+          </a:p>
+        </p:txBody>
+      </p:sp>
+      <p:sp>
+        <p:nvSpPr>
+          <p:cNvPr id="10" name="TextBox 9">
+            <a:extLst>
+              <a:ext uri="{FF2B5EF4-FFF2-40B4-BE49-F238E27FC236}">
+                <a16:creationId xmlns:a16="http://schemas.microsoft.com/office/drawing/2014/main" id="{2A4D7B7A-ADB1-6C82-6477-FF6B1C615FD3}"/>
+              </a:ext>
+            </a:extLst>
+          </p:cNvPr>
+          <p:cNvSpPr txBox="1"/>
+          <p:nvPr/>
+        </p:nvSpPr>
+        <p:spPr>
+          <a:xfrm>
+            <a:off x="1000385" y="985706"/>
+            <a:ext cx="10526087" cy="646331"/>
+          </a:xfrm>
+          <a:prstGeom prst="rect">
+            <a:avLst/>
+          </a:prstGeom>
+          <a:noFill/>
+        </p:spPr>
+        <p:txBody>
+          <a:bodyPr wrap="square">
+            <a:spAutoFit/>
+          </a:bodyPr>
+          <a:lstStyle/>
+          <a:p>
+            <a:r>
+              <a:rPr lang="en-GB" dirty="0"/>
+              <a:t>Cluster analysis or clustering is the task of grouping a set of objects in such a way that objects in the same group (called a cluster) are more similar (in some sense) to each other than to those in other groups (clusters)</a:t>
             </a:r>
           </a:p>
         </p:txBody>
@@ -5237,10 +5317,10 @@
         </p:nvGrpSpPr>
         <p:grpSpPr>
           <a:xfrm>
-            <a:off x="704675" y="1333850"/>
-            <a:ext cx="3570416" cy="1200329"/>
-            <a:chOff x="554811" y="1602297"/>
-            <a:chExt cx="3570416" cy="1200329"/>
+            <a:off x="735225" y="1476462"/>
+            <a:ext cx="3639046" cy="2031325"/>
+            <a:chOff x="486181" y="1602297"/>
+            <a:chExt cx="3639046" cy="2031325"/>
           </a:xfrm>
         </p:grpSpPr>
         <p:sp>
@@ -5258,7 +5338,7 @@
           <p:spPr>
             <a:xfrm>
               <a:off x="704675" y="1602297"/>
-              <a:ext cx="3420552" cy="1200329"/>
+              <a:ext cx="3420552" cy="2031325"/>
             </a:xfrm>
             <a:prstGeom prst="rect">
               <a:avLst/>
@@ -5285,6 +5365,13 @@
                 <a:buFont typeface="+mj-lt"/>
                 <a:buAutoNum type="arabicPeriod"/>
               </a:pPr>
+              <a:endParaRPr lang="en-GB" dirty="0"/>
+            </a:p>
+            <a:p>
+              <a:pPr marL="342900" indent="-342900">
+                <a:buFont typeface="+mj-lt"/>
+                <a:buAutoNum type="arabicPeriod"/>
+              </a:pPr>
               <a:r>
                 <a:rPr lang="en-GB" dirty="0"/>
                 <a:t>Specify the cluster seeds</a:t>
@@ -5295,10 +5382,24 @@
                 <a:buFont typeface="+mj-lt"/>
                 <a:buAutoNum type="arabicPeriod"/>
               </a:pPr>
+              <a:endParaRPr lang="en-GB" dirty="0"/>
+            </a:p>
+            <a:p>
+              <a:pPr marL="342900" indent="-342900">
+                <a:buFont typeface="+mj-lt"/>
+                <a:buAutoNum type="arabicPeriod"/>
+              </a:pPr>
               <a:r>
                 <a:rPr lang="en-GB" dirty="0"/>
                 <a:t>Assign each point to a centroid</a:t>
               </a:r>
+            </a:p>
+            <a:p>
+              <a:pPr marL="342900" indent="-342900">
+                <a:buFont typeface="+mj-lt"/>
+                <a:buAutoNum type="arabicPeriod"/>
+              </a:pPr>
+              <a:endParaRPr lang="en-GB" dirty="0"/>
             </a:p>
             <a:p>
               <a:pPr marL="342900" indent="-342900">
@@ -5326,8 +5427,8 @@
           </p:nvSpPr>
           <p:spPr>
             <a:xfrm rot="10800000">
-              <a:off x="554811" y="2340527"/>
-              <a:ext cx="150244" cy="360727"/>
+              <a:off x="486181" y="2877423"/>
+              <a:ext cx="218494" cy="562063"/>
             </a:xfrm>
             <a:prstGeom prst="curvedLeftArrow">
               <a:avLst/>
@@ -5363,6 +5464,59 @@
           </p:txBody>
         </p:sp>
       </p:grpSp>
+      <p:sp>
+        <p:nvSpPr>
+          <p:cNvPr id="3" name="TextBox 2">
+            <a:extLst>
+              <a:ext uri="{FF2B5EF4-FFF2-40B4-BE49-F238E27FC236}">
+                <a16:creationId xmlns:a16="http://schemas.microsoft.com/office/drawing/2014/main" id="{60E332F9-2F42-B4E3-06B1-4F1E39E0BF7B}"/>
+              </a:ext>
+            </a:extLst>
+          </p:cNvPr>
+          <p:cNvSpPr txBox="1"/>
+          <p:nvPr/>
+        </p:nvSpPr>
+        <p:spPr>
+          <a:xfrm>
+            <a:off x="470541" y="4061190"/>
+            <a:ext cx="4728539" cy="1200329"/>
+          </a:xfrm>
+          <a:prstGeom prst="rect">
+            <a:avLst/>
+          </a:prstGeom>
+          <a:noFill/>
+        </p:spPr>
+        <p:txBody>
+          <a:bodyPr wrap="none" rtlCol="0">
+            <a:spAutoFit/>
+          </a:bodyPr>
+          <a:lstStyle/>
+          <a:p>
+            <a:r>
+              <a:rPr lang="en-GB" dirty="0"/>
+              <a:t>You can run the process multiple times starting</a:t>
+            </a:r>
+          </a:p>
+          <a:p>
+            <a:r>
+              <a:rPr lang="en-GB" dirty="0"/>
+              <a:t>with different initial centroids. Keep track of the </a:t>
+            </a:r>
+          </a:p>
+          <a:p>
+            <a:r>
+              <a:rPr lang="en-GB" dirty="0"/>
+              <a:t>total variance and choose the result with the </a:t>
+            </a:r>
+          </a:p>
+          <a:p>
+            <a:r>
+              <a:rPr lang="en-GB" dirty="0"/>
+              <a:t>lowest value. </a:t>
+            </a:r>
+          </a:p>
+        </p:txBody>
+      </p:sp>
     </p:spTree>
     <p:extLst>
       <p:ext uri="{BB962C8B-B14F-4D97-AF65-F5344CB8AC3E}">
